--- a/docs/ppt/OMOPomics_Day3.pptx
+++ b/docs/ppt/OMOPomics_Day3.pptx
@@ -9,9 +9,9 @@
     <p:sldId id="264" r:id="rId3"/>
     <p:sldId id="259" r:id="rId4"/>
     <p:sldId id="258" r:id="rId5"/>
-    <p:sldId id="257" r:id="rId6"/>
-    <p:sldId id="266" r:id="rId7"/>
-    <p:sldId id="267" r:id="rId8"/>
+    <p:sldId id="268" r:id="rId6"/>
+    <p:sldId id="269" r:id="rId7"/>
+    <p:sldId id="270" r:id="rId8"/>
     <p:sldId id="263" r:id="rId9"/>
     <p:sldId id="262" r:id="rId10"/>
   </p:sldIdLst>
@@ -6866,14 +6866,13 @@
           </p:cNvPr>
           <p:cNvCxnSpPr>
             <a:cxnSpLocks/>
-            <a:endCxn id="27" idx="1"/>
           </p:cNvCxnSpPr>
           <p:nvPr/>
         </p:nvCxnSpPr>
         <p:spPr>
           <a:xfrm>
-            <a:off x="8030372" y="2124330"/>
-            <a:ext cx="577276" cy="951667"/>
+            <a:off x="8179407" y="1303622"/>
+            <a:ext cx="455032" cy="1420674"/>
           </a:xfrm>
           <a:prstGeom prst="line">
             <a:avLst/>
@@ -6913,44 +6912,6 @@
           <a:xfrm flipH="1" flipV="1">
             <a:off x="2382285" y="2408640"/>
             <a:ext cx="351896" cy="802514"/>
-          </a:xfrm>
-          <a:prstGeom prst="line">
-            <a:avLst/>
-          </a:prstGeom>
-        </p:spPr>
-        <p:style>
-          <a:lnRef idx="3">
-            <a:schemeClr val="dk1"/>
-          </a:lnRef>
-          <a:fillRef idx="0">
-            <a:schemeClr val="dk1"/>
-          </a:fillRef>
-          <a:effectRef idx="2">
-            <a:schemeClr val="dk1"/>
-          </a:effectRef>
-          <a:fontRef idx="minor">
-            <a:schemeClr val="tx1"/>
-          </a:fontRef>
-        </p:style>
-      </p:cxnSp>
-      <p:cxnSp>
-        <p:nvCxnSpPr>
-          <p:cNvPr id="43" name="Straight Connector 42">
-            <a:extLst>
-              <a:ext uri="{FF2B5EF4-FFF2-40B4-BE49-F238E27FC236}">
-                <a16:creationId xmlns:a16="http://schemas.microsoft.com/office/drawing/2014/main" id="{6EA812A9-5D8E-694F-B494-272EB421E08F}"/>
-              </a:ext>
-            </a:extLst>
-          </p:cNvPr>
-          <p:cNvCxnSpPr>
-            <a:cxnSpLocks/>
-          </p:cNvCxnSpPr>
-          <p:nvPr/>
-        </p:nvCxnSpPr>
-        <p:spPr>
-          <a:xfrm>
-            <a:off x="4379046" y="1862185"/>
-            <a:ext cx="4228602" cy="4216643"/>
           </a:xfrm>
           <a:prstGeom prst="line">
             <a:avLst/>
@@ -8084,6 +8045,44 @@
           </a:fontRef>
         </p:style>
       </p:cxnSp>
+      <p:cxnSp>
+        <p:nvCxnSpPr>
+          <p:cNvPr id="20" name="Elbow Connector 19">
+            <a:extLst>
+              <a:ext uri="{FF2B5EF4-FFF2-40B4-BE49-F238E27FC236}">
+                <a16:creationId xmlns:a16="http://schemas.microsoft.com/office/drawing/2014/main" id="{E7397348-E1ED-FD4B-B9AE-7BCCE3BC0E7C}"/>
+              </a:ext>
+            </a:extLst>
+          </p:cNvPr>
+          <p:cNvCxnSpPr/>
+          <p:nvPr/>
+        </p:nvCxnSpPr>
+        <p:spPr>
+          <a:xfrm>
+            <a:off x="4379046" y="2178066"/>
+            <a:ext cx="4255393" cy="2252266"/>
+          </a:xfrm>
+          <a:prstGeom prst="bentConnector3">
+            <a:avLst>
+              <a:gd name="adj1" fmla="val 91160"/>
+            </a:avLst>
+          </a:prstGeom>
+        </p:spPr>
+        <p:style>
+          <a:lnRef idx="3">
+            <a:schemeClr val="dk1"/>
+          </a:lnRef>
+          <a:fillRef idx="0">
+            <a:schemeClr val="dk1"/>
+          </a:fillRef>
+          <a:effectRef idx="2">
+            <a:schemeClr val="dk1"/>
+          </a:effectRef>
+          <a:fontRef idx="minor">
+            <a:schemeClr val="tx1"/>
+          </a:fontRef>
+        </p:style>
+      </p:cxnSp>
     </p:spTree>
     <p:extLst>
       <p:ext uri="{BB962C8B-B14F-4D97-AF65-F5344CB8AC3E}">
@@ -8335,7 +8334,15 @@
           <a:p>
             <a:r>
               <a:rPr lang="en-US" dirty="0"/>
-              <a:t>Usage example: ATAC-seq analysis	</a:t>
+              <a:t>Usage example: ATAC-seq analysis </a:t>
+            </a:r>
+            <a:r>
+              <a:rPr lang="en-US" dirty="0">
+                <a:solidFill>
+                  <a:srgbClr val="0070C0"/>
+                </a:solidFill>
+              </a:rPr>
+              <a:t>I	</a:t>
             </a:r>
           </a:p>
         </p:txBody>
@@ -8421,7 +8428,7 @@
     </p:spTree>
     <p:extLst>
       <p:ext uri="{BB962C8B-B14F-4D97-AF65-F5344CB8AC3E}">
-        <p14:creationId xmlns:p14="http://schemas.microsoft.com/office/powerpoint/2010/main" val="3788773848"/>
+        <p14:creationId xmlns:p14="http://schemas.microsoft.com/office/powerpoint/2010/main" val="1342499342"/>
       </p:ext>
     </p:extLst>
   </p:cSld>
@@ -8622,7 +8629,15 @@
           <a:p>
             <a:r>
               <a:rPr lang="en-US" dirty="0"/>
-              <a:t>Usage example: ATAC-seq analysis	</a:t>
+              <a:t>Usage example: ATAC-seq analysis </a:t>
+            </a:r>
+            <a:r>
+              <a:rPr lang="en-US" dirty="0">
+                <a:solidFill>
+                  <a:srgbClr val="0070C0"/>
+                </a:solidFill>
+              </a:rPr>
+              <a:t>II	</a:t>
             </a:r>
           </a:p>
         </p:txBody>
@@ -8643,12 +8658,7 @@
             <p:ph idx="1"/>
           </p:nvPr>
         </p:nvSpPr>
-        <p:spPr>
-          <a:xfrm>
-            <a:off x="0" y="1825625"/>
-            <a:ext cx="11353800" cy="4351338"/>
-          </a:xfrm>
-        </p:spPr>
+        <p:spPr/>
         <p:txBody>
           <a:bodyPr/>
           <a:lstStyle/>
@@ -8659,7 +8669,15 @@
             </a:pPr>
             <a:r>
               <a:rPr lang="en-US" dirty="0"/>
-              <a:t>Use search query to pull accessibility time course files measured at 0, 1, 2, and four hours post activation.</a:t>
+              <a:t>Use search query to pull accessibility time course files measured at 0, 1, 2, </a:t>
+            </a:r>
+            <a:r>
+              <a:rPr lang="en-US"/>
+              <a:t>and 4 </a:t>
+            </a:r>
+            <a:r>
+              <a:rPr lang="en-US" dirty="0"/>
+              <a:t>hours post activation.</a:t>
             </a:r>
           </a:p>
           <a:p>
@@ -8720,7 +8738,7 @@
         </p:blipFill>
         <p:spPr>
           <a:xfrm>
-            <a:off x="7596438" y="3115469"/>
+            <a:off x="7661043" y="3313640"/>
             <a:ext cx="4429125" cy="1771650"/>
           </a:xfrm>
           <a:prstGeom prst="rect">
@@ -8784,7 +8802,7 @@
         </p:blipFill>
         <p:spPr>
           <a:xfrm>
-            <a:off x="720942" y="3352060"/>
+            <a:off x="52137" y="3550231"/>
             <a:ext cx="4743934" cy="1298468"/>
           </a:xfrm>
           <a:prstGeom prst="rect">
@@ -8807,14 +8825,192 @@
             </a:extLst>
           </p:cNvPr>
           <p:cNvCxnSpPr>
+            <a:cxnSpLocks/>
             <a:stCxn id="19" idx="3"/>
+            <a:endCxn id="22" idx="1"/>
           </p:cNvCxnSpPr>
           <p:nvPr/>
         </p:nvCxnSpPr>
         <p:spPr>
           <a:xfrm>
-            <a:off x="5464876" y="4001294"/>
-            <a:ext cx="2083080" cy="0"/>
+            <a:off x="4796071" y="4199465"/>
+            <a:ext cx="619855" cy="0"/>
+          </a:xfrm>
+          <a:prstGeom prst="straightConnector1">
+            <a:avLst/>
+          </a:prstGeom>
+          <a:ln w="57150">
+            <a:solidFill>
+              <a:schemeClr val="tx1"/>
+            </a:solidFill>
+            <a:tailEnd type="triangle"/>
+          </a:ln>
+        </p:spPr>
+        <p:style>
+          <a:lnRef idx="1">
+            <a:schemeClr val="accent1"/>
+          </a:lnRef>
+          <a:fillRef idx="0">
+            <a:schemeClr val="accent1"/>
+          </a:fillRef>
+          <a:effectRef idx="0">
+            <a:schemeClr val="accent1"/>
+          </a:effectRef>
+          <a:fontRef idx="minor">
+            <a:schemeClr val="tx1"/>
+          </a:fontRef>
+        </p:style>
+      </p:cxnSp>
+      <p:sp>
+        <p:nvSpPr>
+          <p:cNvPr id="22" name="Rectangle 21">
+            <a:extLst>
+              <a:ext uri="{FF2B5EF4-FFF2-40B4-BE49-F238E27FC236}">
+                <a16:creationId xmlns:a16="http://schemas.microsoft.com/office/drawing/2014/main" id="{ABFC523B-520A-4BFC-9EC4-7205433C7C41}"/>
+              </a:ext>
+            </a:extLst>
+          </p:cNvPr>
+          <p:cNvSpPr/>
+          <p:nvPr/>
+        </p:nvSpPr>
+        <p:spPr>
+          <a:xfrm>
+            <a:off x="5415926" y="3632755"/>
+            <a:ext cx="1625262" cy="1133420"/>
+          </a:xfrm>
+          <a:prstGeom prst="rect">
+            <a:avLst/>
+          </a:prstGeom>
+        </p:spPr>
+        <p:style>
+          <a:lnRef idx="2">
+            <a:schemeClr val="accent1">
+              <a:shade val="50000"/>
+            </a:schemeClr>
+          </a:lnRef>
+          <a:fillRef idx="1">
+            <a:schemeClr val="accent1"/>
+          </a:fillRef>
+          <a:effectRef idx="0">
+            <a:schemeClr val="accent1"/>
+          </a:effectRef>
+          <a:fontRef idx="minor">
+            <a:schemeClr val="lt1"/>
+          </a:fontRef>
+        </p:style>
+        <p:txBody>
+          <a:bodyPr rtlCol="0" anchor="ctr"/>
+          <a:lstStyle/>
+          <a:p>
+            <a:pPr algn="ctr"/>
+            <a:r>
+              <a:rPr lang="en-US" sz="3600" dirty="0"/>
+              <a:t>OMOP</a:t>
+            </a:r>
+          </a:p>
+        </p:txBody>
+      </p:sp>
+      <p:cxnSp>
+        <p:nvCxnSpPr>
+          <p:cNvPr id="10" name="Straight Arrow Connector 9">
+            <a:extLst>
+              <a:ext uri="{FF2B5EF4-FFF2-40B4-BE49-F238E27FC236}">
+                <a16:creationId xmlns:a16="http://schemas.microsoft.com/office/drawing/2014/main" id="{17F2906C-C807-4036-A903-A96D0285F48A}"/>
+              </a:ext>
+            </a:extLst>
+          </p:cNvPr>
+          <p:cNvCxnSpPr>
+            <a:cxnSpLocks/>
+            <a:stCxn id="22" idx="3"/>
+            <a:endCxn id="12" idx="1"/>
+          </p:cNvCxnSpPr>
+          <p:nvPr/>
+        </p:nvCxnSpPr>
+        <p:spPr>
+          <a:xfrm>
+            <a:off x="7041188" y="4199465"/>
+            <a:ext cx="619855" cy="0"/>
+          </a:xfrm>
+          <a:prstGeom prst="straightConnector1">
+            <a:avLst/>
+          </a:prstGeom>
+          <a:ln w="57150">
+            <a:solidFill>
+              <a:schemeClr val="tx1"/>
+            </a:solidFill>
+            <a:tailEnd type="triangle"/>
+          </a:ln>
+        </p:spPr>
+        <p:style>
+          <a:lnRef idx="1">
+            <a:schemeClr val="accent1"/>
+          </a:lnRef>
+          <a:fillRef idx="0">
+            <a:schemeClr val="accent1"/>
+          </a:fillRef>
+          <a:effectRef idx="0">
+            <a:schemeClr val="accent1"/>
+          </a:effectRef>
+          <a:fontRef idx="minor">
+            <a:schemeClr val="tx1"/>
+          </a:fontRef>
+        </p:style>
+      </p:cxnSp>
+      <p:pic>
+        <p:nvPicPr>
+          <p:cNvPr id="16" name="Picture 15">
+            <a:extLst>
+              <a:ext uri="{FF2B5EF4-FFF2-40B4-BE49-F238E27FC236}">
+                <a16:creationId xmlns:a16="http://schemas.microsoft.com/office/drawing/2014/main" id="{5150C93D-91A0-40B4-8813-BB46C6E67AAB}"/>
+              </a:ext>
+            </a:extLst>
+          </p:cNvPr>
+          <p:cNvPicPr>
+            <a:picLocks noChangeAspect="1"/>
+          </p:cNvPicPr>
+          <p:nvPr/>
+        </p:nvPicPr>
+        <p:blipFill>
+          <a:blip r:embed="rId5"/>
+          <a:stretch>
+            <a:fillRect/>
+          </a:stretch>
+        </p:blipFill>
+        <p:spPr>
+          <a:xfrm>
+            <a:off x="5065266" y="5239347"/>
+            <a:ext cx="2326581" cy="1512529"/>
+          </a:xfrm>
+          <a:prstGeom prst="rect">
+            <a:avLst/>
+          </a:prstGeom>
+          <a:ln w="15875">
+            <a:solidFill>
+              <a:schemeClr val="tx1"/>
+            </a:solidFill>
+          </a:ln>
+        </p:spPr>
+      </p:pic>
+      <p:cxnSp>
+        <p:nvCxnSpPr>
+          <p:cNvPr id="20" name="Straight Arrow Connector 19">
+            <a:extLst>
+              <a:ext uri="{FF2B5EF4-FFF2-40B4-BE49-F238E27FC236}">
+                <a16:creationId xmlns:a16="http://schemas.microsoft.com/office/drawing/2014/main" id="{A3F00049-8C39-4FEA-A2DB-B5643E388282}"/>
+              </a:ext>
+            </a:extLst>
+          </p:cNvPr>
+          <p:cNvCxnSpPr>
+            <a:cxnSpLocks/>
+            <a:stCxn id="16" idx="0"/>
+            <a:endCxn id="22" idx="2"/>
+          </p:cNvCxnSpPr>
+          <p:nvPr/>
+        </p:nvCxnSpPr>
+        <p:spPr>
+          <a:xfrm flipV="1">
+            <a:off x="6228557" y="4766175"/>
+            <a:ext cx="0" cy="473172"/>
           </a:xfrm>
           <a:prstGeom prst="straightConnector1">
             <a:avLst/>
@@ -8844,7 +9040,7 @@
     </p:spTree>
     <p:extLst>
       <p:ext uri="{BB962C8B-B14F-4D97-AF65-F5344CB8AC3E}">
-        <p14:creationId xmlns:p14="http://schemas.microsoft.com/office/powerpoint/2010/main" val="3243627356"/>
+        <p14:creationId xmlns:p14="http://schemas.microsoft.com/office/powerpoint/2010/main" val="1991469480"/>
       </p:ext>
     </p:extLst>
   </p:cSld>
@@ -8938,24 +9134,51 @@
                                   </p:childTnLst>
                                 </p:cTn>
                               </p:par>
-                            </p:childTnLst>
-                          </p:cTn>
-                        </p:par>
-                        <p:par>
-                          <p:cTn id="10" fill="hold">
-                            <p:stCondLst>
-                              <p:cond delay="0"/>
-                            </p:stCondLst>
-                            <p:childTnLst>
                               <p:par>
-                                <p:cTn id="11" presetID="22" presetClass="entr" presetSubtype="8" fill="hold" nodeType="afterEffect">
+                                <p:cTn id="10" presetID="1" presetClass="entr" presetSubtype="0" fill="hold" nodeType="withEffect">
                                   <p:stCondLst>
                                     <p:cond delay="0"/>
                                   </p:stCondLst>
                                   <p:childTnLst>
                                     <p:set>
                                       <p:cBhvr>
-                                        <p:cTn id="12" dur="1" fill="hold">
+                                        <p:cTn id="11" dur="1" fill="hold">
+                                          <p:stCondLst>
+                                            <p:cond delay="0"/>
+                                          </p:stCondLst>
+                                        </p:cTn>
+                                        <p:tgtEl>
+                                          <p:spTgt spid="16"/>
+                                        </p:tgtEl>
+                                        <p:attrNameLst>
+                                          <p:attrName>style.visibility</p:attrName>
+                                        </p:attrNameLst>
+                                      </p:cBhvr>
+                                      <p:to>
+                                        <p:strVal val="visible"/>
+                                      </p:to>
+                                    </p:set>
+                                  </p:childTnLst>
+                                </p:cTn>
+                              </p:par>
+                            </p:childTnLst>
+                          </p:cTn>
+                        </p:par>
+                        <p:par>
+                          <p:cTn id="12" fill="hold">
+                            <p:stCondLst>
+                              <p:cond delay="0"/>
+                            </p:stCondLst>
+                            <p:childTnLst>
+                              <p:par>
+                                <p:cTn id="13" presetID="22" presetClass="entr" presetSubtype="8" fill="hold" nodeType="afterEffect">
+                                  <p:stCondLst>
+                                    <p:cond delay="0"/>
+                                  </p:stCondLst>
+                                  <p:childTnLst>
+                                    <p:set>
+                                      <p:cBhvr>
+                                        <p:cTn id="14" dur="1" fill="hold">
                                           <p:stCondLst>
                                             <p:cond delay="0"/>
                                           </p:stCondLst>
@@ -8973,9 +9196,44 @@
                                     </p:set>
                                     <p:animEffect transition="in" filter="wipe(left)">
                                       <p:cBhvr>
-                                        <p:cTn id="13" dur="500"/>
+                                        <p:cTn id="15" dur="500"/>
                                         <p:tgtEl>
                                           <p:spTgt spid="21"/>
+                                        </p:tgtEl>
+                                      </p:cBhvr>
+                                    </p:animEffect>
+                                  </p:childTnLst>
+                                </p:cTn>
+                              </p:par>
+                              <p:par>
+                                <p:cTn id="16" presetID="22" presetClass="entr" presetSubtype="8" fill="hold" nodeType="withEffect">
+                                  <p:stCondLst>
+                                    <p:cond delay="0"/>
+                                  </p:stCondLst>
+                                  <p:childTnLst>
+                                    <p:set>
+                                      <p:cBhvr>
+                                        <p:cTn id="17" dur="1" fill="hold">
+                                          <p:stCondLst>
+                                            <p:cond delay="0"/>
+                                          </p:stCondLst>
+                                        </p:cTn>
+                                        <p:tgtEl>
+                                          <p:spTgt spid="20"/>
+                                        </p:tgtEl>
+                                        <p:attrNameLst>
+                                          <p:attrName>style.visibility</p:attrName>
+                                        </p:attrNameLst>
+                                      </p:cBhvr>
+                                      <p:to>
+                                        <p:strVal val="visible"/>
+                                      </p:to>
+                                    </p:set>
+                                    <p:animEffect transition="in" filter="wipe(left)">
+                                      <p:cBhvr>
+                                        <p:cTn id="18" dur="500"/>
+                                        <p:tgtEl>
+                                          <p:spTgt spid="20"/>
                                         </p:tgtEl>
                                       </p:cBhvr>
                                     </p:animEffect>
@@ -8986,26 +9244,26 @@
                           </p:cTn>
                         </p:par>
                         <p:par>
-                          <p:cTn id="14" fill="hold">
+                          <p:cTn id="19" fill="hold">
                             <p:stCondLst>
                               <p:cond delay="500"/>
                             </p:stCondLst>
                             <p:childTnLst>
                               <p:par>
-                                <p:cTn id="15" presetID="1" presetClass="entr" presetSubtype="0" fill="hold" nodeType="afterEffect">
+                                <p:cTn id="20" presetID="1" presetClass="entr" presetSubtype="0" fill="hold" grpId="0" nodeType="afterEffect">
                                   <p:stCondLst>
                                     <p:cond delay="0"/>
                                   </p:stCondLst>
                                   <p:childTnLst>
                                     <p:set>
                                       <p:cBhvr>
-                                        <p:cTn id="16" dur="1" fill="hold">
+                                        <p:cTn id="21" dur="1" fill="hold">
                                           <p:stCondLst>
                                             <p:cond delay="0"/>
                                           </p:stCondLst>
                                         </p:cTn>
                                         <p:tgtEl>
-                                          <p:spTgt spid="12"/>
+                                          <p:spTgt spid="22"/>
                                         </p:tgtEl>
                                         <p:attrNameLst>
                                           <p:attrName>style.visibility</p:attrName>
@@ -9021,40 +9279,27 @@
                             </p:childTnLst>
                           </p:cTn>
                         </p:par>
-                      </p:childTnLst>
-                    </p:cTn>
-                  </p:par>
-                  <p:par>
-                    <p:cTn id="17" fill="hold">
-                      <p:stCondLst>
-                        <p:cond delay="indefinite"/>
-                      </p:stCondLst>
-                      <p:childTnLst>
                         <p:par>
-                          <p:cTn id="18" fill="hold">
+                          <p:cTn id="22" fill="hold">
                             <p:stCondLst>
-                              <p:cond delay="0"/>
+                              <p:cond delay="500"/>
                             </p:stCondLst>
                             <p:childTnLst>
                               <p:par>
-                                <p:cTn id="19" presetID="1" presetClass="entr" presetSubtype="0" fill="hold" nodeType="clickEffect">
+                                <p:cTn id="23" presetID="22" presetClass="entr" presetSubtype="8" fill="hold" nodeType="afterEffect">
                                   <p:stCondLst>
                                     <p:cond delay="0"/>
                                   </p:stCondLst>
                                   <p:childTnLst>
                                     <p:set>
                                       <p:cBhvr>
-                                        <p:cTn id="20" dur="1" fill="hold">
+                                        <p:cTn id="24" dur="1" fill="hold">
                                           <p:stCondLst>
                                             <p:cond delay="0"/>
                                           </p:stCondLst>
                                         </p:cTn>
                                         <p:tgtEl>
-                                          <p:spTgt spid="13">
-                                            <p:txEl>
-                                              <p:pRg st="2" end="2"/>
-                                            </p:txEl>
-                                          </p:spTgt>
+                                          <p:spTgt spid="10"/>
                                         </p:tgtEl>
                                         <p:attrNameLst>
                                           <p:attrName>style.visibility</p:attrName>
@@ -9064,18 +9309,35 @@
                                         <p:strVal val="visible"/>
                                       </p:to>
                                     </p:set>
+                                    <p:animEffect transition="in" filter="wipe(left)">
+                                      <p:cBhvr>
+                                        <p:cTn id="25" dur="500"/>
+                                        <p:tgtEl>
+                                          <p:spTgt spid="10"/>
+                                        </p:tgtEl>
+                                      </p:cBhvr>
+                                    </p:animEffect>
                                   </p:childTnLst>
                                 </p:cTn>
                               </p:par>
+                            </p:childTnLst>
+                          </p:cTn>
+                        </p:par>
+                        <p:par>
+                          <p:cTn id="26" fill="hold">
+                            <p:stCondLst>
+                              <p:cond delay="1000"/>
+                            </p:stCondLst>
+                            <p:childTnLst>
                               <p:par>
-                                <p:cTn id="21" presetID="1" presetClass="exit" presetSubtype="0" fill="hold" nodeType="withEffect">
+                                <p:cTn id="27" presetID="1" presetClass="entr" presetSubtype="0" fill="hold" nodeType="afterEffect">
                                   <p:stCondLst>
                                     <p:cond delay="0"/>
                                   </p:stCondLst>
                                   <p:childTnLst>
                                     <p:set>
                                       <p:cBhvr>
-                                        <p:cTn id="22" dur="1" fill="hold">
+                                        <p:cTn id="28" dur="1" fill="hold">
                                           <p:stCondLst>
                                             <p:cond delay="0"/>
                                           </p:stCondLst>
@@ -9088,88 +9350,7 @@
                                         </p:attrNameLst>
                                       </p:cBhvr>
                                       <p:to>
-                                        <p:strVal val="hidden"/>
-                                      </p:to>
-                                    </p:set>
-                                  </p:childTnLst>
-                                </p:cTn>
-                              </p:par>
-                              <p:par>
-                                <p:cTn id="23" presetID="1" presetClass="entr" presetSubtype="0" fill="hold" nodeType="withEffect">
-                                  <p:stCondLst>
-                                    <p:cond delay="0"/>
-                                  </p:stCondLst>
-                                  <p:childTnLst>
-                                    <p:set>
-                                      <p:cBhvr>
-                                        <p:cTn id="24" dur="1" fill="hold">
-                                          <p:stCondLst>
-                                            <p:cond delay="0"/>
-                                          </p:stCondLst>
-                                        </p:cTn>
-                                        <p:tgtEl>
-                                          <p:spTgt spid="14"/>
-                                        </p:tgtEl>
-                                        <p:attrNameLst>
-                                          <p:attrName>style.visibility</p:attrName>
-                                        </p:attrNameLst>
-                                      </p:cBhvr>
-                                      <p:to>
                                         <p:strVal val="visible"/>
-                                      </p:to>
-                                    </p:set>
-                                  </p:childTnLst>
-                                </p:cTn>
-                              </p:par>
-                              <p:par>
-                                <p:cTn id="25" presetID="1" presetClass="exit" presetSubtype="0" fill="hold" nodeType="withEffect">
-                                  <p:stCondLst>
-                                    <p:cond delay="0"/>
-                                  </p:stCondLst>
-                                  <p:childTnLst>
-                                    <p:set>
-                                      <p:cBhvr>
-                                        <p:cTn id="26" dur="1" fill="hold">
-                                          <p:stCondLst>
-                                            <p:cond delay="0"/>
-                                          </p:stCondLst>
-                                        </p:cTn>
-                                        <p:tgtEl>
-                                          <p:spTgt spid="21"/>
-                                        </p:tgtEl>
-                                        <p:attrNameLst>
-                                          <p:attrName>style.visibility</p:attrName>
-                                        </p:attrNameLst>
-                                      </p:cBhvr>
-                                      <p:to>
-                                        <p:strVal val="hidden"/>
-                                      </p:to>
-                                    </p:set>
-                                  </p:childTnLst>
-                                </p:cTn>
-                              </p:par>
-                              <p:par>
-                                <p:cTn id="27" presetID="1" presetClass="exit" presetSubtype="0" fill="hold" nodeType="withEffect">
-                                  <p:stCondLst>
-                                    <p:cond delay="0"/>
-                                  </p:stCondLst>
-                                  <p:childTnLst>
-                                    <p:set>
-                                      <p:cBhvr>
-                                        <p:cTn id="28" dur="1" fill="hold">
-                                          <p:stCondLst>
-                                            <p:cond delay="0"/>
-                                          </p:stCondLst>
-                                        </p:cTn>
-                                        <p:tgtEl>
-                                          <p:spTgt spid="19"/>
-                                        </p:tgtEl>
-                                        <p:attrNameLst>
-                                          <p:attrName>style.visibility</p:attrName>
-                                        </p:attrNameLst>
-                                      </p:cBhvr>
-                                      <p:to>
-                                        <p:strVal val="hidden"/>
                                       </p:to>
                                     </p:set>
                                   </p:childTnLst>
@@ -9209,7 +9390,7 @@
                                         <p:tgtEl>
                                           <p:spTgt spid="13">
                                             <p:txEl>
-                                              <p:pRg st="4" end="4"/>
+                                              <p:pRg st="2" end="2"/>
                                             </p:txEl>
                                           </p:spTgt>
                                         </p:tgtEl>
@@ -9233,6 +9414,271 @@
                                     <p:set>
                                       <p:cBhvr>
                                         <p:cTn id="34" dur="1" fill="hold">
+                                          <p:stCondLst>
+                                            <p:cond delay="0"/>
+                                          </p:stCondLst>
+                                        </p:cTn>
+                                        <p:tgtEl>
+                                          <p:spTgt spid="12"/>
+                                        </p:tgtEl>
+                                        <p:attrNameLst>
+                                          <p:attrName>style.visibility</p:attrName>
+                                        </p:attrNameLst>
+                                      </p:cBhvr>
+                                      <p:to>
+                                        <p:strVal val="hidden"/>
+                                      </p:to>
+                                    </p:set>
+                                  </p:childTnLst>
+                                </p:cTn>
+                              </p:par>
+                              <p:par>
+                                <p:cTn id="35" presetID="1" presetClass="entr" presetSubtype="0" fill="hold" nodeType="withEffect">
+                                  <p:stCondLst>
+                                    <p:cond delay="0"/>
+                                  </p:stCondLst>
+                                  <p:childTnLst>
+                                    <p:set>
+                                      <p:cBhvr>
+                                        <p:cTn id="36" dur="1" fill="hold">
+                                          <p:stCondLst>
+                                            <p:cond delay="0"/>
+                                          </p:stCondLst>
+                                        </p:cTn>
+                                        <p:tgtEl>
+                                          <p:spTgt spid="14"/>
+                                        </p:tgtEl>
+                                        <p:attrNameLst>
+                                          <p:attrName>style.visibility</p:attrName>
+                                        </p:attrNameLst>
+                                      </p:cBhvr>
+                                      <p:to>
+                                        <p:strVal val="visible"/>
+                                      </p:to>
+                                    </p:set>
+                                  </p:childTnLst>
+                                </p:cTn>
+                              </p:par>
+                              <p:par>
+                                <p:cTn id="37" presetID="1" presetClass="exit" presetSubtype="0" fill="hold" nodeType="withEffect">
+                                  <p:stCondLst>
+                                    <p:cond delay="0"/>
+                                  </p:stCondLst>
+                                  <p:childTnLst>
+                                    <p:set>
+                                      <p:cBhvr>
+                                        <p:cTn id="38" dur="1" fill="hold">
+                                          <p:stCondLst>
+                                            <p:cond delay="0"/>
+                                          </p:stCondLst>
+                                        </p:cTn>
+                                        <p:tgtEl>
+                                          <p:spTgt spid="21"/>
+                                        </p:tgtEl>
+                                        <p:attrNameLst>
+                                          <p:attrName>style.visibility</p:attrName>
+                                        </p:attrNameLst>
+                                      </p:cBhvr>
+                                      <p:to>
+                                        <p:strVal val="hidden"/>
+                                      </p:to>
+                                    </p:set>
+                                  </p:childTnLst>
+                                </p:cTn>
+                              </p:par>
+                              <p:par>
+                                <p:cTn id="39" presetID="1" presetClass="exit" presetSubtype="0" fill="hold" nodeType="withEffect">
+                                  <p:stCondLst>
+                                    <p:cond delay="0"/>
+                                  </p:stCondLst>
+                                  <p:childTnLst>
+                                    <p:set>
+                                      <p:cBhvr>
+                                        <p:cTn id="40" dur="1" fill="hold">
+                                          <p:stCondLst>
+                                            <p:cond delay="0"/>
+                                          </p:stCondLst>
+                                        </p:cTn>
+                                        <p:tgtEl>
+                                          <p:spTgt spid="10"/>
+                                        </p:tgtEl>
+                                        <p:attrNameLst>
+                                          <p:attrName>style.visibility</p:attrName>
+                                        </p:attrNameLst>
+                                      </p:cBhvr>
+                                      <p:to>
+                                        <p:strVal val="hidden"/>
+                                      </p:to>
+                                    </p:set>
+                                  </p:childTnLst>
+                                </p:cTn>
+                              </p:par>
+                              <p:par>
+                                <p:cTn id="41" presetID="1" presetClass="exit" presetSubtype="0" fill="hold" nodeType="withEffect">
+                                  <p:stCondLst>
+                                    <p:cond delay="0"/>
+                                  </p:stCondLst>
+                                  <p:childTnLst>
+                                    <p:set>
+                                      <p:cBhvr>
+                                        <p:cTn id="42" dur="1" fill="hold">
+                                          <p:stCondLst>
+                                            <p:cond delay="0"/>
+                                          </p:stCondLst>
+                                        </p:cTn>
+                                        <p:tgtEl>
+                                          <p:spTgt spid="20"/>
+                                        </p:tgtEl>
+                                        <p:attrNameLst>
+                                          <p:attrName>style.visibility</p:attrName>
+                                        </p:attrNameLst>
+                                      </p:cBhvr>
+                                      <p:to>
+                                        <p:strVal val="hidden"/>
+                                      </p:to>
+                                    </p:set>
+                                  </p:childTnLst>
+                                </p:cTn>
+                              </p:par>
+                              <p:par>
+                                <p:cTn id="43" presetID="1" presetClass="exit" presetSubtype="0" fill="hold" grpId="1" nodeType="withEffect">
+                                  <p:stCondLst>
+                                    <p:cond delay="0"/>
+                                  </p:stCondLst>
+                                  <p:childTnLst>
+                                    <p:set>
+                                      <p:cBhvr>
+                                        <p:cTn id="44" dur="1" fill="hold">
+                                          <p:stCondLst>
+                                            <p:cond delay="0"/>
+                                          </p:stCondLst>
+                                        </p:cTn>
+                                        <p:tgtEl>
+                                          <p:spTgt spid="22"/>
+                                        </p:tgtEl>
+                                        <p:attrNameLst>
+                                          <p:attrName>style.visibility</p:attrName>
+                                        </p:attrNameLst>
+                                      </p:cBhvr>
+                                      <p:to>
+                                        <p:strVal val="hidden"/>
+                                      </p:to>
+                                    </p:set>
+                                  </p:childTnLst>
+                                </p:cTn>
+                              </p:par>
+                              <p:par>
+                                <p:cTn id="45" presetID="1" presetClass="exit" presetSubtype="0" fill="hold" nodeType="withEffect">
+                                  <p:stCondLst>
+                                    <p:cond delay="0"/>
+                                  </p:stCondLst>
+                                  <p:childTnLst>
+                                    <p:set>
+                                      <p:cBhvr>
+                                        <p:cTn id="46" dur="1" fill="hold">
+                                          <p:stCondLst>
+                                            <p:cond delay="0"/>
+                                          </p:stCondLst>
+                                        </p:cTn>
+                                        <p:tgtEl>
+                                          <p:spTgt spid="16"/>
+                                        </p:tgtEl>
+                                        <p:attrNameLst>
+                                          <p:attrName>style.visibility</p:attrName>
+                                        </p:attrNameLst>
+                                      </p:cBhvr>
+                                      <p:to>
+                                        <p:strVal val="hidden"/>
+                                      </p:to>
+                                    </p:set>
+                                  </p:childTnLst>
+                                </p:cTn>
+                              </p:par>
+                              <p:par>
+                                <p:cTn id="47" presetID="1" presetClass="exit" presetSubtype="0" fill="hold" nodeType="withEffect">
+                                  <p:stCondLst>
+                                    <p:cond delay="0"/>
+                                  </p:stCondLst>
+                                  <p:childTnLst>
+                                    <p:set>
+                                      <p:cBhvr>
+                                        <p:cTn id="48" dur="1" fill="hold">
+                                          <p:stCondLst>
+                                            <p:cond delay="0"/>
+                                          </p:stCondLst>
+                                        </p:cTn>
+                                        <p:tgtEl>
+                                          <p:spTgt spid="19"/>
+                                        </p:tgtEl>
+                                        <p:attrNameLst>
+                                          <p:attrName>style.visibility</p:attrName>
+                                        </p:attrNameLst>
+                                      </p:cBhvr>
+                                      <p:to>
+                                        <p:strVal val="hidden"/>
+                                      </p:to>
+                                    </p:set>
+                                  </p:childTnLst>
+                                </p:cTn>
+                              </p:par>
+                            </p:childTnLst>
+                          </p:cTn>
+                        </p:par>
+                      </p:childTnLst>
+                    </p:cTn>
+                  </p:par>
+                  <p:par>
+                    <p:cTn id="49" fill="hold">
+                      <p:stCondLst>
+                        <p:cond delay="indefinite"/>
+                      </p:stCondLst>
+                      <p:childTnLst>
+                        <p:par>
+                          <p:cTn id="50" fill="hold">
+                            <p:stCondLst>
+                              <p:cond delay="0"/>
+                            </p:stCondLst>
+                            <p:childTnLst>
+                              <p:par>
+                                <p:cTn id="51" presetID="1" presetClass="entr" presetSubtype="0" fill="hold" nodeType="clickEffect">
+                                  <p:stCondLst>
+                                    <p:cond delay="0"/>
+                                  </p:stCondLst>
+                                  <p:childTnLst>
+                                    <p:set>
+                                      <p:cBhvr>
+                                        <p:cTn id="52" dur="1" fill="hold">
+                                          <p:stCondLst>
+                                            <p:cond delay="0"/>
+                                          </p:stCondLst>
+                                        </p:cTn>
+                                        <p:tgtEl>
+                                          <p:spTgt spid="13">
+                                            <p:txEl>
+                                              <p:pRg st="4" end="4"/>
+                                            </p:txEl>
+                                          </p:spTgt>
+                                        </p:tgtEl>
+                                        <p:attrNameLst>
+                                          <p:attrName>style.visibility</p:attrName>
+                                        </p:attrNameLst>
+                                      </p:cBhvr>
+                                      <p:to>
+                                        <p:strVal val="visible"/>
+                                      </p:to>
+                                    </p:set>
+                                  </p:childTnLst>
+                                </p:cTn>
+                              </p:par>
+                              <p:par>
+                                <p:cTn id="53" presetID="1" presetClass="exit" presetSubtype="0" fill="hold" nodeType="withEffect">
+                                  <p:stCondLst>
+                                    <p:cond delay="0"/>
+                                  </p:stCondLst>
+                                  <p:childTnLst>
+                                    <p:set>
+                                      <p:cBhvr>
+                                        <p:cTn id="54" dur="1" fill="hold">
                                           <p:stCondLst>
                                             <p:cond delay="0"/>
                                           </p:stCondLst>
@@ -9278,6 +9724,10 @@
         </p:cTn>
       </p:par>
     </p:tnLst>
+    <p:bldLst>
+      <p:bldP spid="22" grpId="0" animBg="1"/>
+      <p:bldP spid="22" grpId="1" animBg="1"/>
+    </p:bldLst>
   </p:timing>
 </p:sld>
 </file>
@@ -9322,7 +9772,19 @@
           <a:p>
             <a:r>
               <a:rPr lang="en-US" dirty="0"/>
-              <a:t>Usage example: ATAC-seq analysis	</a:t>
+              <a:t>Usage example: ATAC-seq analysis </a:t>
+            </a:r>
+            <a:r>
+              <a:rPr lang="en-US" dirty="0">
+                <a:solidFill>
+                  <a:srgbClr val="0070C0"/>
+                </a:solidFill>
+              </a:rPr>
+              <a:t>III</a:t>
+            </a:r>
+            <a:r>
+              <a:rPr lang="en-US" dirty="0"/>
+              <a:t>	</a:t>
             </a:r>
           </a:p>
         </p:txBody>
@@ -9343,12 +9805,7 @@
             <p:ph idx="1"/>
           </p:nvPr>
         </p:nvSpPr>
-        <p:spPr>
-          <a:xfrm>
-            <a:off x="0" y="1219420"/>
-            <a:ext cx="6587588" cy="4759537"/>
-          </a:xfrm>
-        </p:spPr>
+        <p:spPr/>
         <p:txBody>
           <a:bodyPr>
             <a:normAutofit/>
@@ -9467,36 +9924,6 @@
           </a:p>
         </p:txBody>
       </p:sp>
-      <p:pic>
-        <p:nvPicPr>
-          <p:cNvPr id="14" name="Picture 13" hidden="1">
-            <a:extLst>
-              <a:ext uri="{FF2B5EF4-FFF2-40B4-BE49-F238E27FC236}">
-                <a16:creationId xmlns:a16="http://schemas.microsoft.com/office/drawing/2014/main" id="{41FCC134-985C-46A0-87D4-C53945D2B736}"/>
-              </a:ext>
-            </a:extLst>
-          </p:cNvPr>
-          <p:cNvPicPr>
-            <a:picLocks noChangeAspect="1"/>
-          </p:cNvPicPr>
-          <p:nvPr/>
-        </p:nvPicPr>
-        <p:blipFill>
-          <a:blip r:embed="rId2"/>
-          <a:stretch>
-            <a:fillRect/>
-          </a:stretch>
-        </p:blipFill>
-        <p:spPr>
-          <a:xfrm>
-            <a:off x="2489942" y="3936047"/>
-            <a:ext cx="7520332" cy="2733937"/>
-          </a:xfrm>
-          <a:prstGeom prst="rect">
-            <a:avLst/>
-          </a:prstGeom>
-        </p:spPr>
-      </p:pic>
       <p:pic>
         <p:nvPicPr>
           <p:cNvPr id="16" name="Picture 15" descr="A screenshot of a cell phone&#10;&#10;Description automatically generated">
@@ -9512,7 +9939,7 @@
           <p:nvPr/>
         </p:nvPicPr>
         <p:blipFill>
-          <a:blip r:embed="rId3">
+          <a:blip r:embed="rId2">
             <a:extLst>
               <a:ext uri="{28A0092B-C50C-407E-A947-70E740481C1C}">
                 <a14:useLocalDpi xmlns:a14="http://schemas.microsoft.com/office/drawing/2010/main" val="0"/>
@@ -9548,7 +9975,7 @@
           <p:nvPr/>
         </p:nvPicPr>
         <p:blipFill>
-          <a:blip r:embed="rId4"/>
+          <a:blip r:embed="rId3"/>
           <a:stretch>
             <a:fillRect/>
           </a:stretch>
@@ -9583,7 +10010,7 @@
           <p:nvPr/>
         </p:nvPicPr>
         <p:blipFill>
-          <a:blip r:embed="rId5">
+          <a:blip r:embed="rId4">
             <a:extLst>
               <a:ext uri="{28A0092B-C50C-407E-A947-70E740481C1C}">
                 <a14:useLocalDpi xmlns:a14="http://schemas.microsoft.com/office/drawing/2010/main" val="0"/>
@@ -9619,7 +10046,7 @@
           <p:nvPr/>
         </p:nvPicPr>
         <p:blipFill>
-          <a:blip r:embed="rId6">
+          <a:blip r:embed="rId5">
             <a:extLst>
               <a:ext uri="{28A0092B-C50C-407E-A947-70E740481C1C}">
                 <a14:useLocalDpi xmlns:a14="http://schemas.microsoft.com/office/drawing/2010/main" val="0"/>
@@ -9654,7 +10081,7 @@
           <p:nvPr/>
         </p:nvPicPr>
         <p:blipFill>
-          <a:blip r:embed="rId7">
+          <a:blip r:embed="rId6">
             <a:extLst>
               <a:ext uri="{28A0092B-C50C-407E-A947-70E740481C1C}">
                 <a14:useLocalDpi xmlns:a14="http://schemas.microsoft.com/office/drawing/2010/main" val="0"/>
@@ -9690,7 +10117,7 @@
           <p:nvPr/>
         </p:nvPicPr>
         <p:blipFill>
-          <a:blip r:embed="rId8">
+          <a:blip r:embed="rId7">
             <a:extLst>
               <a:ext uri="{28A0092B-C50C-407E-A947-70E740481C1C}">
                 <a14:useLocalDpi xmlns:a14="http://schemas.microsoft.com/office/drawing/2010/main" val="0"/>
@@ -9713,7 +10140,7 @@
     </p:spTree>
     <p:extLst>
       <p:ext uri="{BB962C8B-B14F-4D97-AF65-F5344CB8AC3E}">
-        <p14:creationId xmlns:p14="http://schemas.microsoft.com/office/powerpoint/2010/main" val="17943569"/>
+        <p14:creationId xmlns:p14="http://schemas.microsoft.com/office/powerpoint/2010/main" val="1856833455"/>
       </p:ext>
     </p:extLst>
   </p:cSld>
@@ -10245,33 +10672,6 @@
                                           </p:stCondLst>
                                         </p:cTn>
                                         <p:tgtEl>
-                                          <p:spTgt spid="14"/>
-                                        </p:tgtEl>
-                                        <p:attrNameLst>
-                                          <p:attrName>style.visibility</p:attrName>
-                                        </p:attrNameLst>
-                                      </p:cBhvr>
-                                      <p:to>
-                                        <p:strVal val="hidden"/>
-                                      </p:to>
-                                    </p:set>
-                                  </p:childTnLst>
-                                </p:cTn>
-                              </p:par>
-                              <p:par>
-                                <p:cTn id="45" presetID="1" presetClass="exit" presetSubtype="0" fill="hold" nodeType="withEffect">
-                                  <p:stCondLst>
-                                    <p:cond delay="0"/>
-                                  </p:stCondLst>
-                                  <p:childTnLst>
-                                    <p:set>
-                                      <p:cBhvr>
-                                        <p:cTn id="46" dur="1" fill="hold">
-                                          <p:stCondLst>
-                                            <p:cond delay="0"/>
-                                          </p:stCondLst>
-                                        </p:cTn>
-                                        <p:tgtEl>
                                           <p:spTgt spid="8"/>
                                         </p:tgtEl>
                                         <p:attrNameLst>
@@ -10286,14 +10686,14 @@
                                 </p:cTn>
                               </p:par>
                               <p:par>
-                                <p:cTn id="47" presetID="1" presetClass="entr" presetSubtype="0" fill="hold" nodeType="withEffect">
+                                <p:cTn id="45" presetID="1" presetClass="entr" presetSubtype="0" fill="hold" nodeType="withEffect">
                                   <p:stCondLst>
                                     <p:cond delay="0"/>
                                   </p:stCondLst>
                                   <p:childTnLst>
                                     <p:set>
                                       <p:cBhvr>
-                                        <p:cTn id="48" dur="1" fill="hold">
+                                        <p:cTn id="46" dur="1" fill="hold">
                                           <p:stCondLst>
                                             <p:cond delay="0"/>
                                           </p:stCondLst>
@@ -10319,26 +10719,26 @@
                     </p:cTn>
                   </p:par>
                   <p:par>
-                    <p:cTn id="49" fill="hold">
+                    <p:cTn id="47" fill="hold">
                       <p:stCondLst>
                         <p:cond delay="indefinite"/>
                       </p:stCondLst>
                       <p:childTnLst>
                         <p:par>
-                          <p:cTn id="50" fill="hold">
+                          <p:cTn id="48" fill="hold">
                             <p:stCondLst>
                               <p:cond delay="0"/>
                             </p:stCondLst>
                             <p:childTnLst>
                               <p:par>
-                                <p:cTn id="51" presetID="1" presetClass="entr" presetSubtype="0" fill="hold" nodeType="clickEffect">
+                                <p:cTn id="49" presetID="1" presetClass="entr" presetSubtype="0" fill="hold" nodeType="clickEffect">
                                   <p:stCondLst>
                                     <p:cond delay="0"/>
                                   </p:stCondLst>
                                   <p:childTnLst>
                                     <p:set>
                                       <p:cBhvr>
-                                        <p:cTn id="52" dur="1" fill="hold">
+                                        <p:cTn id="50" dur="1" fill="hold">
                                           <p:stCondLst>
                                             <p:cond delay="0"/>
                                           </p:stCondLst>
@@ -10427,12 +10827,14 @@
         </p:nvSpPr>
         <p:spPr/>
         <p:txBody>
-          <a:bodyPr/>
+          <a:bodyPr>
+            <a:normAutofit/>
+          </a:bodyPr>
           <a:lstStyle/>
           <a:p>
             <a:r>
               <a:rPr lang="en-US" dirty="0"/>
-              <a:t>Conclusion</a:t>
+              <a:t>Main Conclusions</a:t>
             </a:r>
           </a:p>
         </p:txBody>
